--- a/Winter/Project/ElGamal.pptx
+++ b/Winter/Project/ElGamal.pptx
@@ -5,7 +5,7 @@
     <p:sldMasterId id="2147483763" r:id="rId1"/>
   </p:sldMasterIdLst>
   <p:notesMasterIdLst>
-    <p:notesMasterId r:id="rId12"/>
+    <p:notesMasterId r:id="rId13"/>
   </p:notesMasterIdLst>
   <p:sldIdLst>
     <p:sldId id="256" r:id="rId2"/>
@@ -17,7 +17,8 @@
     <p:sldId id="262" r:id="rId8"/>
     <p:sldId id="263" r:id="rId9"/>
     <p:sldId id="264" r:id="rId10"/>
-    <p:sldId id="265" r:id="rId11"/>
+    <p:sldId id="266" r:id="rId11"/>
+    <p:sldId id="265" r:id="rId12"/>
   </p:sldIdLst>
   <p:sldSz cx="12192000" cy="6858000"/>
   <p:notesSz cx="6858000" cy="9144000"/>
@@ -539,7 +540,7 @@
           <a:p>
             <a:fld id="{9B27A640-1312-9F45-9098-6E47E6D3D5B0}" type="slidenum">
               <a:rPr lang="en-RU" smtClean="0"/>
-              <a:t>10</a:t>
+              <a:t>11</a:t>
             </a:fld>
             <a:endParaRPr lang="en-RU"/>
           </a:p>
@@ -787,7 +788,7 @@
           <a:p>
             <a:fld id="{2F3E8B1C-86EF-43CF-8304-249481088644}" type="datetimeFigureOut">
               <a:rPr lang="en-US" smtClean="0"/>
-              <a:t>12/7/21</a:t>
+              <a:t>12/10/21</a:t>
             </a:fld>
             <a:endParaRPr lang="en-US"/>
           </a:p>
@@ -1122,7 +1123,7 @@
             <a:fld id="{2F3E8B1C-86EF-43CF-8304-249481088644}" type="datetimeFigureOut">
               <a:rPr lang="en-US" smtClean="0"/>
               <a:pPr/>
-              <a:t>12/7/21</a:t>
+              <a:t>12/10/21</a:t>
             </a:fld>
             <a:endParaRPr lang="en-US" dirty="0"/>
           </a:p>
@@ -1402,7 +1403,7 @@
             <a:fld id="{2F3E8B1C-86EF-43CF-8304-249481088644}" type="datetimeFigureOut">
               <a:rPr lang="en-US" smtClean="0"/>
               <a:pPr/>
-              <a:t>12/7/21</a:t>
+              <a:t>12/10/21</a:t>
             </a:fld>
             <a:endParaRPr lang="en-US" dirty="0"/>
           </a:p>
@@ -1972,7 +1973,7 @@
             <a:fld id="{2F3E8B1C-86EF-43CF-8304-249481088644}" type="datetimeFigureOut">
               <a:rPr lang="en-US" smtClean="0"/>
               <a:pPr/>
-              <a:t>12/7/21</a:t>
+              <a:t>12/10/21</a:t>
             </a:fld>
             <a:endParaRPr lang="en-US" dirty="0"/>
           </a:p>
@@ -2252,7 +2253,7 @@
             <a:fld id="{2F3E8B1C-86EF-43CF-8304-249481088644}" type="datetimeFigureOut">
               <a:rPr lang="en-US" smtClean="0"/>
               <a:pPr/>
-              <a:t>12/7/21</a:t>
+              <a:t>12/10/21</a:t>
             </a:fld>
             <a:endParaRPr lang="en-US" dirty="0"/>
           </a:p>
@@ -2816,7 +2817,7 @@
             <a:fld id="{2F3E8B1C-86EF-43CF-8304-249481088644}" type="datetimeFigureOut">
               <a:rPr lang="en-US" smtClean="0"/>
               <a:pPr/>
-              <a:t>12/7/21</a:t>
+              <a:t>12/10/21</a:t>
             </a:fld>
             <a:endParaRPr lang="en-US" dirty="0"/>
           </a:p>
@@ -3145,7 +3146,7 @@
             <a:fld id="{2F3E8B1C-86EF-43CF-8304-249481088644}" type="datetimeFigureOut">
               <a:rPr lang="en-US" smtClean="0"/>
               <a:pPr/>
-              <a:t>12/7/21</a:t>
+              <a:t>12/10/21</a:t>
             </a:fld>
             <a:endParaRPr lang="en-US" dirty="0"/>
           </a:p>
@@ -3323,7 +3324,7 @@
           <a:p>
             <a:fld id="{2F3E8B1C-86EF-43CF-8304-249481088644}" type="datetimeFigureOut">
               <a:rPr lang="en-US" smtClean="0"/>
-              <a:t>12/7/21</a:t>
+              <a:t>12/10/21</a:t>
             </a:fld>
             <a:endParaRPr lang="en-US"/>
           </a:p>
@@ -3561,7 +3562,7 @@
           <a:p>
             <a:fld id="{2F3E8B1C-86EF-43CF-8304-249481088644}" type="datetimeFigureOut">
               <a:rPr lang="en-US" smtClean="0"/>
-              <a:t>12/7/21</a:t>
+              <a:t>12/10/21</a:t>
             </a:fld>
             <a:endParaRPr lang="en-US"/>
           </a:p>
@@ -3761,7 +3762,7 @@
           <a:p>
             <a:fld id="{2F3E8B1C-86EF-43CF-8304-249481088644}" type="datetimeFigureOut">
               <a:rPr lang="en-US" smtClean="0"/>
-              <a:t>12/7/21</a:t>
+              <a:t>12/10/21</a:t>
             </a:fld>
             <a:endParaRPr lang="en-US"/>
           </a:p>
@@ -4037,7 +4038,7 @@
           <a:p>
             <a:fld id="{2F3E8B1C-86EF-43CF-8304-249481088644}" type="datetimeFigureOut">
               <a:rPr lang="en-US" smtClean="0"/>
-              <a:t>12/7/21</a:t>
+              <a:t>12/10/21</a:t>
             </a:fld>
             <a:endParaRPr lang="en-US"/>
           </a:p>
@@ -4303,7 +4304,7 @@
           <a:p>
             <a:fld id="{2F3E8B1C-86EF-43CF-8304-249481088644}" type="datetimeFigureOut">
               <a:rPr lang="en-US" smtClean="0"/>
-              <a:t>12/7/21</a:t>
+              <a:t>12/10/21</a:t>
             </a:fld>
             <a:endParaRPr lang="en-US"/>
           </a:p>
@@ -4677,7 +4678,7 @@
           <a:p>
             <a:fld id="{2F3E8B1C-86EF-43CF-8304-249481088644}" type="datetimeFigureOut">
               <a:rPr lang="en-US" smtClean="0"/>
-              <a:t>12/7/21</a:t>
+              <a:t>12/10/21</a:t>
             </a:fld>
             <a:endParaRPr lang="en-US"/>
           </a:p>
@@ -4825,7 +4826,7 @@
           <a:p>
             <a:fld id="{2F3E8B1C-86EF-43CF-8304-249481088644}" type="datetimeFigureOut">
               <a:rPr lang="en-US" smtClean="0"/>
-              <a:t>12/7/21</a:t>
+              <a:t>12/10/21</a:t>
             </a:fld>
             <a:endParaRPr lang="en-US"/>
           </a:p>
@@ -4950,7 +4951,7 @@
           <a:p>
             <a:fld id="{2F3E8B1C-86EF-43CF-8304-249481088644}" type="datetimeFigureOut">
               <a:rPr lang="en-US" smtClean="0"/>
-              <a:t>12/7/21</a:t>
+              <a:t>12/10/21</a:t>
             </a:fld>
             <a:endParaRPr lang="en-US"/>
           </a:p>
@@ -5235,7 +5236,7 @@
           <a:p>
             <a:fld id="{2F3E8B1C-86EF-43CF-8304-249481088644}" type="datetimeFigureOut">
               <a:rPr lang="en-US" smtClean="0"/>
-              <a:t>12/7/21</a:t>
+              <a:t>12/10/21</a:t>
             </a:fld>
             <a:endParaRPr lang="en-US"/>
           </a:p>
@@ -5559,7 +5560,7 @@
           <a:p>
             <a:fld id="{2F3E8B1C-86EF-43CF-8304-249481088644}" type="datetimeFigureOut">
               <a:rPr lang="en-US" smtClean="0"/>
-              <a:t>12/7/21</a:t>
+              <a:t>12/10/21</a:t>
             </a:fld>
             <a:endParaRPr lang="en-US"/>
           </a:p>
@@ -5774,7 +5775,7 @@
             <a:fld id="{2F3E8B1C-86EF-43CF-8304-249481088644}" type="datetimeFigureOut">
               <a:rPr lang="en-US" smtClean="0"/>
               <a:pPr/>
-              <a:t>12/7/21</a:t>
+              <a:t>12/10/21</a:t>
             </a:fld>
             <a:endParaRPr lang="en-US" dirty="0"/>
           </a:p>
@@ -6655,6 +6656,163 @@
           <p:cNvPr id="2" name="Title 1">
             <a:extLst>
               <a:ext uri="{FF2B5EF4-FFF2-40B4-BE49-F238E27FC236}">
+                <a16:creationId xmlns:a16="http://schemas.microsoft.com/office/drawing/2014/main" id="{3DAAB73F-42C9-784C-820F-4F4494137325}"/>
+              </a:ext>
+            </a:extLst>
+          </p:cNvPr>
+          <p:cNvSpPr>
+            <a:spLocks noGrp="1"/>
+          </p:cNvSpPr>
+          <p:nvPr>
+            <p:ph type="title"/>
+          </p:nvPr>
+        </p:nvSpPr>
+        <p:spPr/>
+        <p:txBody>
+          <a:bodyPr/>
+          <a:lstStyle/>
+          <a:p>
+            <a:r>
+              <a:rPr lang="ru-RU" dirty="0"/>
+              <a:t>Итоги</a:t>
+            </a:r>
+            <a:endParaRPr lang="en-RU" dirty="0"/>
+          </a:p>
+        </p:txBody>
+      </p:sp>
+      <p:sp>
+        <p:nvSpPr>
+          <p:cNvPr id="4" name="TextBox 3">
+            <a:extLst>
+              <a:ext uri="{FF2B5EF4-FFF2-40B4-BE49-F238E27FC236}">
+                <a16:creationId xmlns:a16="http://schemas.microsoft.com/office/drawing/2014/main" id="{30373598-3F4A-4C4D-A45F-EDD39D721C95}"/>
+              </a:ext>
+            </a:extLst>
+          </p:cNvPr>
+          <p:cNvSpPr txBox="1"/>
+          <p:nvPr/>
+        </p:nvSpPr>
+        <p:spPr>
+          <a:xfrm>
+            <a:off x="509798" y="2690336"/>
+            <a:ext cx="10649118" cy="1477328"/>
+          </a:xfrm>
+          <a:prstGeom prst="rect">
+            <a:avLst/>
+          </a:prstGeom>
+          <a:noFill/>
+        </p:spPr>
+        <p:txBody>
+          <a:bodyPr wrap="square" rtlCol="0">
+            <a:spAutoFit/>
+          </a:bodyPr>
+          <a:lstStyle/>
+          <a:p>
+            <a:r>
+              <a:rPr lang="ru-RU" dirty="0"/>
+              <a:t>Мы рассмотрели 2 крайне популярных по сей день алгоритма шифрования</a:t>
+            </a:r>
+            <a:r>
+              <a:rPr lang="en-US" dirty="0"/>
+              <a:t>: </a:t>
+            </a:r>
+            <a:r>
+              <a:rPr lang="ru-RU" dirty="0"/>
+              <a:t>шифр Эль-</a:t>
+            </a:r>
+            <a:r>
+              <a:rPr lang="ru-RU" dirty="0" err="1"/>
+              <a:t>Гамаля</a:t>
+            </a:r>
+            <a:r>
+              <a:rPr lang="ru-RU" dirty="0"/>
+              <a:t> и шифр с использованием эллиптических кривых.</a:t>
+            </a:r>
+          </a:p>
+          <a:p>
+            <a:r>
+              <a:rPr lang="ru-RU" dirty="0"/>
+              <a:t>Оба алгоритма были опубликованы практически одновременно</a:t>
+            </a:r>
+            <a:r>
+              <a:rPr lang="en-US" dirty="0"/>
+              <a:t>: </a:t>
+            </a:r>
+            <a:r>
+              <a:rPr lang="ru-RU" dirty="0"/>
+              <a:t>в 1985 году и сразу же стали очень востребованными</a:t>
+            </a:r>
+            <a:r>
+              <a:rPr lang="en-US" dirty="0"/>
+              <a:t>: </a:t>
+            </a:r>
+            <a:r>
+              <a:rPr lang="ru-RU" dirty="0"/>
+              <a:t>алгоритм Эль-</a:t>
+            </a:r>
+            <a:r>
+              <a:rPr lang="ru-RU" dirty="0" err="1"/>
+              <a:t>Гамаля</a:t>
+            </a:r>
+            <a:r>
+              <a:rPr lang="ru-RU" dirty="0"/>
+              <a:t>, так как был достойной и причём бесплатной альтернативой </a:t>
+            </a:r>
+            <a:r>
+              <a:rPr lang="en-US" dirty="0"/>
+              <a:t>RSA, </a:t>
+            </a:r>
+            <a:r>
+              <a:rPr lang="ru-RU" dirty="0"/>
+              <a:t>а эллиптическая </a:t>
+            </a:r>
+            <a:r>
+              <a:rPr lang="ru-RU" dirty="0" err="1"/>
+              <a:t>крииптография</a:t>
+            </a:r>
+            <a:r>
+              <a:rPr lang="ru-RU" dirty="0"/>
+              <a:t> – за счёт своей новизны и сложности.</a:t>
+            </a:r>
+            <a:endParaRPr lang="en-RU" dirty="0"/>
+          </a:p>
+        </p:txBody>
+      </p:sp>
+    </p:spTree>
+    <p:extLst>
+      <p:ext uri="{BB962C8B-B14F-4D97-AF65-F5344CB8AC3E}">
+        <p14:creationId xmlns:p14="http://schemas.microsoft.com/office/powerpoint/2010/main" val="452770446"/>
+      </p:ext>
+    </p:extLst>
+  </p:cSld>
+  <p:clrMapOvr>
+    <a:masterClrMapping/>
+  </p:clrMapOvr>
+</p:sld>
+</file>
+
+<file path=ppt/slides/slide11.xml><?xml version="1.0" encoding="utf-8"?>
+<p:sld xmlns:a="http://schemas.openxmlformats.org/drawingml/2006/main" xmlns:r="http://schemas.openxmlformats.org/officeDocument/2006/relationships" xmlns:p="http://schemas.openxmlformats.org/presentationml/2006/main">
+  <p:cSld>
+    <p:spTree>
+      <p:nvGrpSpPr>
+        <p:cNvPr id="1" name=""/>
+        <p:cNvGrpSpPr/>
+        <p:nvPr/>
+      </p:nvGrpSpPr>
+      <p:grpSpPr>
+        <a:xfrm>
+          <a:off x="0" y="0"/>
+          <a:ext cx="0" cy="0"/>
+          <a:chOff x="0" y="0"/>
+          <a:chExt cx="0" cy="0"/>
+        </a:xfrm>
+      </p:grpSpPr>
+      <p:sp>
+        <p:nvSpPr>
+          <p:cNvPr id="2" name="Title 1">
+            <a:extLst>
+              <a:ext uri="{FF2B5EF4-FFF2-40B4-BE49-F238E27FC236}">
                 <a16:creationId xmlns:a16="http://schemas.microsoft.com/office/drawing/2014/main" id="{FF1A996D-8B3E-7745-9E29-5403E84132CA}"/>
               </a:ext>
             </a:extLst>
@@ -7505,15 +7663,7 @@
             </a:r>
             <a:r>
               <a:rPr lang="ru-RU" dirty="0"/>
-              <a:t>криптографический протокол (набор крипто-</a:t>
-            </a:r>
-            <a:r>
-              <a:rPr lang="ru-RU" dirty="0" err="1"/>
-              <a:t>алгоитмов</a:t>
-            </a:r>
-            <a:r>
-              <a:rPr lang="ru-RU" dirty="0"/>
-              <a:t>), позволяющий двум и более сторонам получить общий секретный ключ, используя незащищенный от прослушивания канал связи. Полученный ключ используется для шифрования дальнейшего обмена с помощью алгоритмов симметричного шифрования.</a:t>
+              <a:t>криптографический протокол (набор крипто-алгоритмов), позволяющий двум и более сторонам получить общий секретный ключ, используя незащищенный от прослушивания канал связи. Полученный ключ используется для шифрования дальнейшего обмена с помощью алгоритмов симметричного шифрования.</a:t>
             </a:r>
             <a:endParaRPr lang="en-RU" dirty="0"/>
           </a:p>
@@ -7626,15 +7776,7 @@
           <a:p>
             <a:r>
               <a:rPr lang="ru-RU" dirty="0"/>
-              <a:t>Алиса и Боб </a:t>
-            </a:r>
-            <a:r>
-              <a:rPr lang="ru-RU" dirty="0" err="1"/>
-              <a:t>сгенерили</a:t>
-            </a:r>
-            <a:r>
-              <a:rPr lang="ru-RU" dirty="0"/>
-              <a:t> числа </a:t>
+              <a:t>Алиса и Боб сгенерировали числа </a:t>
             </a:r>
             <a:r>
               <a:rPr lang="en-US" dirty="0"/>
@@ -9207,11 +9349,7 @@
           <a:p>
             <a:r>
               <a:rPr lang="ru-RU" dirty="0"/>
-              <a:t>Поле Эллиптических кривых или </a:t>
-            </a:r>
-            <a:r>
-              <a:rPr lang="en-US" dirty="0"/>
-              <a:t>ECC</a:t>
+              <a:t>Эллиптическая криптография</a:t>
             </a:r>
             <a:endParaRPr lang="en-RU" dirty="0"/>
           </a:p>
@@ -9276,10 +9414,385 @@
               <a:t> + a </a:t>
             </a:r>
             <a:r>
-              <a:rPr lang="en-US"/>
+              <a:rPr lang="en-US" dirty="0"/>
               <a:t>∙ x + b</a:t>
             </a:r>
             <a:endParaRPr lang="en-RU" dirty="0"/>
+          </a:p>
+        </p:txBody>
+      </p:sp>
+      <p:sp>
+        <p:nvSpPr>
+          <p:cNvPr id="3" name="TextBox 2">
+            <a:extLst>
+              <a:ext uri="{FF2B5EF4-FFF2-40B4-BE49-F238E27FC236}">
+                <a16:creationId xmlns:a16="http://schemas.microsoft.com/office/drawing/2014/main" id="{5198A813-6304-924A-8BEA-14F3221C8A8D}"/>
+              </a:ext>
+            </a:extLst>
+          </p:cNvPr>
+          <p:cNvSpPr txBox="1"/>
+          <p:nvPr/>
+        </p:nvSpPr>
+        <p:spPr>
+          <a:xfrm>
+            <a:off x="631179" y="2565175"/>
+            <a:ext cx="9346301" cy="3139321"/>
+          </a:xfrm>
+          <a:prstGeom prst="rect">
+            <a:avLst/>
+          </a:prstGeom>
+          <a:noFill/>
+        </p:spPr>
+        <p:txBody>
+          <a:bodyPr wrap="square" rtlCol="0">
+            <a:spAutoFit/>
+          </a:bodyPr>
+          <a:lstStyle/>
+          <a:p>
+            <a:r>
+              <a:rPr lang="ru-RU" dirty="0"/>
+              <a:t>Алиса хочет переслать сообщение </a:t>
+            </a:r>
+            <a:r>
+              <a:rPr lang="en-US" dirty="0"/>
+              <a:t>m</a:t>
+            </a:r>
+            <a:r>
+              <a:rPr lang="ru-RU" dirty="0"/>
+              <a:t> Бобу.</a:t>
+            </a:r>
+          </a:p>
+          <a:p>
+            <a:r>
+              <a:rPr lang="ru-RU" dirty="0"/>
+              <a:t>Сообщение </a:t>
+            </a:r>
+            <a:r>
+              <a:rPr lang="en-US" dirty="0"/>
+              <a:t>m </a:t>
+            </a:r>
+            <a:r>
+              <a:rPr lang="ru-RU" dirty="0"/>
+              <a:t>пересылается в виде значения </a:t>
+            </a:r>
+            <a:r>
+              <a:rPr lang="en-US" dirty="0"/>
+              <a:t>x – y </a:t>
+            </a:r>
+            <a:r>
+              <a:rPr lang="ru-RU" dirty="0"/>
+              <a:t>точки </a:t>
+            </a:r>
+            <a:r>
+              <a:rPr lang="en-US" dirty="0"/>
+              <a:t>P</a:t>
+            </a:r>
+            <a:r>
+              <a:rPr lang="en-US" baseline="-25000" dirty="0"/>
+              <a:t>m</a:t>
+            </a:r>
+          </a:p>
+          <a:p>
+            <a:r>
+              <a:rPr lang="ru-RU" dirty="0"/>
+              <a:t>Рассмотрим точку </a:t>
+            </a:r>
+            <a:r>
+              <a:rPr lang="en-US" dirty="0"/>
+              <a:t>G </a:t>
+            </a:r>
+            <a:r>
+              <a:rPr lang="ru-RU" dirty="0"/>
+              <a:t>и эллиптическую группу </a:t>
+            </a:r>
+            <a:r>
+              <a:rPr lang="en-US" dirty="0"/>
+              <a:t>E</a:t>
+            </a:r>
+            <a:r>
+              <a:rPr lang="en-US" baseline="-25000" dirty="0"/>
+              <a:t>p</a:t>
+            </a:r>
+            <a:r>
+              <a:rPr lang="en-US" dirty="0"/>
+              <a:t>(a, b).</a:t>
+            </a:r>
+          </a:p>
+          <a:p>
+            <a:r>
+              <a:rPr lang="ru-RU" dirty="0"/>
+              <a:t>Алиса генерирует закрытый ключ </a:t>
+            </a:r>
+            <a:r>
+              <a:rPr lang="en-US" dirty="0" err="1"/>
+              <a:t>n</a:t>
+            </a:r>
+            <a:r>
+              <a:rPr lang="en-US" baseline="-25000" dirty="0" err="1"/>
+              <a:t>A</a:t>
+            </a:r>
+            <a:r>
+              <a:rPr lang="en-US" dirty="0"/>
+              <a:t> </a:t>
+            </a:r>
+            <a:r>
+              <a:rPr lang="ru-RU" dirty="0"/>
+              <a:t>и открытый ключ </a:t>
+            </a:r>
+            <a:r>
+              <a:rPr lang="en-US" dirty="0"/>
+              <a:t>P</a:t>
+            </a:r>
+            <a:r>
+              <a:rPr lang="en-US" baseline="-25000" dirty="0"/>
+              <a:t>A</a:t>
+            </a:r>
+            <a:r>
+              <a:rPr lang="en-US" dirty="0"/>
+              <a:t> = </a:t>
+            </a:r>
+            <a:r>
+              <a:rPr lang="en-US" dirty="0" err="1"/>
+              <a:t>n</a:t>
+            </a:r>
+            <a:r>
+              <a:rPr lang="en-US" baseline="-25000" dirty="0" err="1"/>
+              <a:t>A</a:t>
+            </a:r>
+            <a:r>
+              <a:rPr lang="en-US" baseline="-25000" dirty="0"/>
+              <a:t> </a:t>
+            </a:r>
+            <a:r>
+              <a:rPr lang="en-US" dirty="0"/>
+              <a:t>∙ G.</a:t>
+            </a:r>
+            <a:endParaRPr lang="ru-RU" dirty="0"/>
+          </a:p>
+          <a:p>
+            <a:r>
+              <a:rPr lang="ru-RU" dirty="0"/>
+              <a:t>Далее она берёт случайное число </a:t>
+            </a:r>
+            <a:r>
+              <a:rPr lang="en-US" dirty="0"/>
+              <a:t>k </a:t>
+            </a:r>
+            <a:r>
+              <a:rPr lang="ru-RU" dirty="0"/>
+              <a:t>и вычисляет пару точек </a:t>
+            </a:r>
+            <a:r>
+              <a:rPr lang="en-US" dirty="0"/>
+              <a:t>G</a:t>
+            </a:r>
+            <a:r>
+              <a:rPr lang="en-US" baseline="-25000" dirty="0"/>
+              <a:t>m</a:t>
+            </a:r>
+            <a:endParaRPr lang="ru-RU" dirty="0"/>
+          </a:p>
+          <a:p>
+            <a:r>
+              <a:rPr lang="en-US" dirty="0"/>
+              <a:t>G</a:t>
+            </a:r>
+            <a:r>
+              <a:rPr lang="en-US" baseline="-25000" dirty="0"/>
+              <a:t>m</a:t>
+            </a:r>
+            <a:r>
+              <a:rPr lang="en-US" dirty="0"/>
+              <a:t> = (k ∙ G, P</a:t>
+            </a:r>
+            <a:r>
+              <a:rPr lang="en-US" baseline="-25000" dirty="0"/>
+              <a:t>m</a:t>
+            </a:r>
+            <a:r>
+              <a:rPr lang="en-US" dirty="0"/>
+              <a:t> + k ∙ P</a:t>
+            </a:r>
+            <a:r>
+              <a:rPr lang="en-US" baseline="-25000" dirty="0"/>
+              <a:t>B</a:t>
+            </a:r>
+            <a:r>
+              <a:rPr lang="en-US" dirty="0"/>
+              <a:t>), P</a:t>
+            </a:r>
+            <a:r>
+              <a:rPr lang="en-US" baseline="-25000" dirty="0"/>
+              <a:t>B</a:t>
+            </a:r>
+            <a:r>
+              <a:rPr lang="ru-RU" dirty="0"/>
+              <a:t> = </a:t>
+            </a:r>
+            <a:r>
+              <a:rPr lang="en-US" dirty="0" err="1"/>
+              <a:t>n</a:t>
+            </a:r>
+            <a:r>
+              <a:rPr lang="en-US" baseline="-25000" dirty="0" err="1"/>
+              <a:t>B</a:t>
+            </a:r>
+            <a:r>
+              <a:rPr lang="en-US" dirty="0"/>
+              <a:t> ∙ G – </a:t>
+            </a:r>
+            <a:r>
+              <a:rPr lang="ru-RU" dirty="0"/>
+              <a:t>это открытый ключ Боба.</a:t>
+            </a:r>
+          </a:p>
+          <a:p>
+            <a:r>
+              <a:rPr lang="ru-RU" dirty="0"/>
+              <a:t>Сообщение успешно зашифровано, Алиса отправляет его.</a:t>
+            </a:r>
+          </a:p>
+          <a:p>
+            <a:r>
+              <a:rPr lang="ru-RU" dirty="0"/>
+              <a:t>Теперь попробуем дешифровать сообщение со стороны Боба.</a:t>
+            </a:r>
+          </a:p>
+          <a:p>
+            <a:r>
+              <a:rPr lang="ru-RU" dirty="0"/>
+              <a:t>Боб умножает первую точку на свой секретный ключ </a:t>
+            </a:r>
+            <a:r>
+              <a:rPr lang="en-US" dirty="0" err="1"/>
+              <a:t>n</a:t>
+            </a:r>
+            <a:r>
+              <a:rPr lang="en-US" baseline="-25000" dirty="0" err="1"/>
+              <a:t>B</a:t>
+            </a:r>
+            <a:r>
+              <a:rPr lang="en-US" dirty="0"/>
+              <a:t> </a:t>
+            </a:r>
+            <a:r>
+              <a:rPr lang="ru-RU" dirty="0"/>
+              <a:t>и вычитает результат из второй</a:t>
+            </a:r>
+            <a:r>
+              <a:rPr lang="en-US" dirty="0"/>
+              <a:t>:</a:t>
+            </a:r>
+          </a:p>
+          <a:p>
+            <a:r>
+              <a:rPr lang="en-US" dirty="0"/>
+              <a:t>(P</a:t>
+            </a:r>
+            <a:r>
+              <a:rPr lang="en-US" baseline="-25000" dirty="0"/>
+              <a:t>m</a:t>
+            </a:r>
+            <a:r>
+              <a:rPr lang="en-US" dirty="0"/>
+              <a:t> + k ∙ P</a:t>
+            </a:r>
+            <a:r>
+              <a:rPr lang="en-US" baseline="-25000" dirty="0"/>
+              <a:t>B</a:t>
+            </a:r>
+            <a:r>
+              <a:rPr lang="en-US" dirty="0"/>
+              <a:t>) – </a:t>
+            </a:r>
+            <a:r>
+              <a:rPr lang="en-US" dirty="0" err="1"/>
+              <a:t>n</a:t>
+            </a:r>
+            <a:r>
+              <a:rPr lang="en-US" baseline="-25000" dirty="0" err="1"/>
+              <a:t>B</a:t>
+            </a:r>
+            <a:r>
+              <a:rPr lang="en-US" dirty="0"/>
+              <a:t> ∙ (k ∙ G) = P</a:t>
+            </a:r>
+            <a:r>
+              <a:rPr lang="en-US" baseline="-25000" dirty="0"/>
+              <a:t>m</a:t>
+            </a:r>
+            <a:r>
+              <a:rPr lang="en-US" dirty="0"/>
+              <a:t> + k ∙ (</a:t>
+            </a:r>
+            <a:r>
+              <a:rPr lang="en-US" dirty="0" err="1"/>
+              <a:t>n</a:t>
+            </a:r>
+            <a:r>
+              <a:rPr lang="en-US" baseline="-25000" dirty="0" err="1"/>
+              <a:t>B</a:t>
+            </a:r>
+            <a:r>
+              <a:rPr lang="en-US" dirty="0"/>
+              <a:t> ∙ G) – </a:t>
+            </a:r>
+            <a:r>
+              <a:rPr lang="en-US" dirty="0" err="1"/>
+              <a:t>n</a:t>
+            </a:r>
+            <a:r>
+              <a:rPr lang="en-US" baseline="-25000" dirty="0" err="1"/>
+              <a:t>B</a:t>
+            </a:r>
+            <a:r>
+              <a:rPr lang="en-US" dirty="0"/>
+              <a:t> ∙ (k ∙ G) = P</a:t>
+            </a:r>
+            <a:r>
+              <a:rPr lang="en-US" baseline="-25000" dirty="0"/>
+              <a:t>m</a:t>
+            </a:r>
+            <a:r>
+              <a:rPr lang="en-US" dirty="0"/>
+              <a:t> + k ∙ </a:t>
+            </a:r>
+            <a:r>
+              <a:rPr lang="en-US" dirty="0" err="1"/>
+              <a:t>n</a:t>
+            </a:r>
+            <a:r>
+              <a:rPr lang="en-US" baseline="-25000" dirty="0" err="1"/>
+              <a:t>B</a:t>
+            </a:r>
+            <a:r>
+              <a:rPr lang="en-US" dirty="0"/>
+              <a:t> ∙ G - k ∙ </a:t>
+            </a:r>
+            <a:r>
+              <a:rPr lang="en-US" dirty="0" err="1"/>
+              <a:t>n</a:t>
+            </a:r>
+            <a:r>
+              <a:rPr lang="en-US" baseline="-25000" dirty="0" err="1"/>
+              <a:t>B</a:t>
+            </a:r>
+            <a:r>
+              <a:rPr lang="en-US" dirty="0"/>
+              <a:t> ∙ G = P</a:t>
+            </a:r>
+            <a:r>
+              <a:rPr lang="en-US" baseline="-25000" dirty="0"/>
+              <a:t>m</a:t>
+            </a:r>
+            <a:endParaRPr lang="en-US" dirty="0"/>
+          </a:p>
+          <a:p>
+            <a:r>
+              <a:rPr lang="ru-RU" dirty="0"/>
+              <a:t>Сообщение успешно расшифровано!</a:t>
+            </a:r>
+            <a:endParaRPr lang="en-US" dirty="0"/>
           </a:p>
         </p:txBody>
       </p:sp>
